--- a/02. First simulations.pptx
+++ b/02. First simulations.pptx
@@ -11,6 +11,8 @@
     <p:sldId id="258" r:id="rId5"/>
     <p:sldId id="259" r:id="rId6"/>
     <p:sldId id="260" r:id="rId7"/>
+    <p:sldId id="262" r:id="rId8"/>
+    <p:sldId id="264" r:id="rId9"/>
   </p:sldIdLst>
   <p:sldSz cx="9144000" cy="6858000" type="screen4x3"/>
   <p:notesSz cx="6858000" cy="9144000"/>
@@ -3421,11 +3423,7 @@
             </a:r>
             <a:r>
               <a:rPr lang="pt-BR" dirty="0" smtClean="0"/>
-              <a:t> </a:t>
-            </a:r>
-            <a:r>
-              <a:rPr lang="pt-BR" dirty="0" smtClean="0"/>
-              <a:t>SHARC</a:t>
+              <a:t> SHARC</a:t>
             </a:r>
             <a:endParaRPr lang="pt-BR" dirty="0"/>
           </a:p>
@@ -4921,6 +4919,1254 @@
   <p:clrMapOvr>
     <a:masterClrMapping/>
   </p:clrMapOvr>
+  <p:timing>
+    <p:tnLst>
+      <p:par>
+        <p:cTn id="1" dur="indefinite" restart="never" nodeType="tmRoot"/>
+      </p:par>
+    </p:tnLst>
+  </p:timing>
+</p:sld>
+</file>
+
+<file path=ppt/slides/slide7.xml><?xml version="1.0" encoding="utf-8"?>
+<p:sld xmlns:a="http://schemas.openxmlformats.org/drawingml/2006/main" xmlns:r="http://schemas.openxmlformats.org/officeDocument/2006/relationships" xmlns:p="http://schemas.openxmlformats.org/presentationml/2006/main">
+  <p:cSld>
+    <p:spTree>
+      <p:nvGrpSpPr>
+        <p:cNvPr id="1" name=""/>
+        <p:cNvGrpSpPr/>
+        <p:nvPr/>
+      </p:nvGrpSpPr>
+      <p:grpSpPr>
+        <a:xfrm>
+          <a:off x="0" y="0"/>
+          <a:ext cx="0" cy="0"/>
+          <a:chOff x="0" y="0"/>
+          <a:chExt cx="0" cy="0"/>
+        </a:xfrm>
+      </p:grpSpPr>
+      <p:pic>
+        <p:nvPicPr>
+          <p:cNvPr id="1026" name="Picture 2"/>
+          <p:cNvPicPr>
+            <a:picLocks noChangeAspect="1" noChangeArrowheads="1"/>
+          </p:cNvPicPr>
+          <p:nvPr/>
+        </p:nvPicPr>
+        <p:blipFill>
+          <a:blip r:embed="rId2">
+            <a:extLst>
+              <a:ext uri="{28A0092B-C50C-407E-A947-70E740481C1C}">
+                <a14:useLocalDpi xmlns:a14="http://schemas.microsoft.com/office/drawing/2010/main" val="0"/>
+              </a:ext>
+            </a:extLst>
+          </a:blip>
+          <a:srcRect/>
+          <a:stretch>
+            <a:fillRect/>
+          </a:stretch>
+        </p:blipFill>
+        <p:spPr bwMode="auto">
+          <a:xfrm>
+            <a:off x="6090094" y="1356496"/>
+            <a:ext cx="2520280" cy="4900544"/>
+          </a:xfrm>
+          <a:prstGeom prst="rect">
+            <a:avLst/>
+          </a:prstGeom>
+          <a:noFill/>
+          <a:ln w="9525">
+            <a:solidFill>
+              <a:schemeClr val="tx1"/>
+            </a:solidFill>
+            <a:miter lim="800000"/>
+            <a:headEnd/>
+            <a:tailEnd/>
+          </a:ln>
+          <a:effectLst/>
+          <a:extLst>
+            <a:ext uri="{909E8E84-426E-40DD-AFC4-6F175D3DCCD1}">
+              <a14:hiddenFill xmlns:a14="http://schemas.microsoft.com/office/drawing/2010/main">
+                <a:solidFill>
+                  <a:schemeClr val="accent1"/>
+                </a:solidFill>
+              </a14:hiddenFill>
+            </a:ext>
+            <a:ext uri="{AF507438-7753-43E0-B8FC-AC1667EBCBE1}">
+              <a14:hiddenEffects xmlns:a14="http://schemas.microsoft.com/office/drawing/2010/main">
+                <a:effectLst>
+                  <a:outerShdw dist="35921" dir="2700000" algn="ctr" rotWithShape="0">
+                    <a:schemeClr val="bg2"/>
+                  </a:outerShdw>
+                </a:effectLst>
+              </a14:hiddenEffects>
+            </a:ext>
+          </a:extLst>
+        </p:spPr>
+      </p:pic>
+      <p:sp>
+        <p:nvSpPr>
+          <p:cNvPr id="2" name="Título 1"/>
+          <p:cNvSpPr>
+            <a:spLocks noGrp="1"/>
+          </p:cNvSpPr>
+          <p:nvPr>
+            <p:ph type="title"/>
+          </p:nvPr>
+        </p:nvSpPr>
+        <p:spPr/>
+        <p:txBody>
+          <a:bodyPr/>
+          <a:lstStyle/>
+          <a:p>
+            <a:r>
+              <a:rPr lang="pt-BR" dirty="0" smtClean="0"/>
+              <a:t>IMT </a:t>
+            </a:r>
+            <a:r>
+              <a:rPr lang="pt-BR" dirty="0" err="1" smtClean="0"/>
+              <a:t>downlink</a:t>
+            </a:r>
+            <a:r>
+              <a:rPr lang="pt-BR" dirty="0" smtClean="0"/>
+              <a:t> </a:t>
+            </a:r>
+            <a:r>
+              <a:rPr lang="pt-BR" dirty="0" err="1" smtClean="0"/>
+              <a:t>simulation</a:t>
+            </a:r>
+            <a:r>
+              <a:rPr lang="pt-BR" dirty="0" smtClean="0"/>
+              <a:t> </a:t>
+            </a:r>
+            <a:r>
+              <a:rPr lang="pt-BR" dirty="0" err="1" smtClean="0"/>
+              <a:t>method</a:t>
+            </a:r>
+            <a:endParaRPr lang="pt-BR" dirty="0"/>
+          </a:p>
+        </p:txBody>
+      </p:sp>
+      <p:pic>
+        <p:nvPicPr>
+          <p:cNvPr id="4" name="Picture 901"/>
+          <p:cNvPicPr>
+            <a:picLocks noChangeAspect="1"/>
+          </p:cNvPicPr>
+          <p:nvPr/>
+        </p:nvPicPr>
+        <p:blipFill>
+          <a:blip r:embed="rId3" cstate="print">
+            <a:extLst>
+              <a:ext uri="{28A0092B-C50C-407E-A947-70E740481C1C}">
+                <a14:useLocalDpi xmlns:a14="http://schemas.microsoft.com/office/drawing/2010/main" val="0"/>
+              </a:ext>
+            </a:extLst>
+          </a:blip>
+          <a:srcRect/>
+          <a:stretch>
+            <a:fillRect/>
+          </a:stretch>
+        </p:blipFill>
+        <p:spPr bwMode="auto">
+          <a:xfrm>
+            <a:off x="107504" y="1327644"/>
+            <a:ext cx="3960440" cy="5507972"/>
+          </a:xfrm>
+          <a:prstGeom prst="rect">
+            <a:avLst/>
+          </a:prstGeom>
+          <a:noFill/>
+        </p:spPr>
+      </p:pic>
+      <p:cxnSp>
+        <p:nvCxnSpPr>
+          <p:cNvPr id="7" name="Conector de seta reta 6"/>
+          <p:cNvCxnSpPr/>
+          <p:nvPr/>
+        </p:nvCxnSpPr>
+        <p:spPr>
+          <a:xfrm>
+            <a:off x="2483768" y="1844824"/>
+            <a:ext cx="3672408" cy="0"/>
+          </a:xfrm>
+          <a:prstGeom prst="straightConnector1">
+            <a:avLst/>
+          </a:prstGeom>
+          <a:ln w="15875">
+            <a:solidFill>
+              <a:schemeClr val="tx1"/>
+            </a:solidFill>
+            <a:tailEnd type="arrow"/>
+          </a:ln>
+        </p:spPr>
+        <p:style>
+          <a:lnRef idx="1">
+            <a:schemeClr val="accent1"/>
+          </a:lnRef>
+          <a:fillRef idx="0">
+            <a:schemeClr val="accent1"/>
+          </a:fillRef>
+          <a:effectRef idx="0">
+            <a:schemeClr val="accent1"/>
+          </a:effectRef>
+          <a:fontRef idx="minor">
+            <a:schemeClr val="tx1"/>
+          </a:fontRef>
+        </p:style>
+      </p:cxnSp>
+      <p:cxnSp>
+        <p:nvCxnSpPr>
+          <p:cNvPr id="8" name="Conector de seta reta 7"/>
+          <p:cNvCxnSpPr/>
+          <p:nvPr/>
+        </p:nvCxnSpPr>
+        <p:spPr>
+          <a:xfrm>
+            <a:off x="2411760" y="2204864"/>
+            <a:ext cx="3960440" cy="2520280"/>
+          </a:xfrm>
+          <a:prstGeom prst="straightConnector1">
+            <a:avLst/>
+          </a:prstGeom>
+          <a:ln w="15875">
+            <a:solidFill>
+              <a:schemeClr val="tx1"/>
+            </a:solidFill>
+            <a:tailEnd type="arrow"/>
+          </a:ln>
+        </p:spPr>
+        <p:style>
+          <a:lnRef idx="1">
+            <a:schemeClr val="accent1"/>
+          </a:lnRef>
+          <a:fillRef idx="0">
+            <a:schemeClr val="accent1"/>
+          </a:fillRef>
+          <a:effectRef idx="0">
+            <a:schemeClr val="accent1"/>
+          </a:effectRef>
+          <a:fontRef idx="minor">
+            <a:schemeClr val="tx1"/>
+          </a:fontRef>
+        </p:style>
+      </p:cxnSp>
+      <p:cxnSp>
+        <p:nvCxnSpPr>
+          <p:cNvPr id="11" name="Conector de seta reta 10"/>
+          <p:cNvCxnSpPr/>
+          <p:nvPr/>
+        </p:nvCxnSpPr>
+        <p:spPr>
+          <a:xfrm>
+            <a:off x="1691680" y="4221088"/>
+            <a:ext cx="4680520" cy="504056"/>
+          </a:xfrm>
+          <a:prstGeom prst="straightConnector1">
+            <a:avLst/>
+          </a:prstGeom>
+          <a:ln w="15875">
+            <a:solidFill>
+              <a:schemeClr val="tx1"/>
+            </a:solidFill>
+            <a:tailEnd type="arrow"/>
+          </a:ln>
+        </p:spPr>
+        <p:style>
+          <a:lnRef idx="1">
+            <a:schemeClr val="accent1"/>
+          </a:lnRef>
+          <a:fillRef idx="0">
+            <a:schemeClr val="accent1"/>
+          </a:fillRef>
+          <a:effectRef idx="0">
+            <a:schemeClr val="accent1"/>
+          </a:effectRef>
+          <a:fontRef idx="minor">
+            <a:schemeClr val="tx1"/>
+          </a:fontRef>
+        </p:style>
+      </p:cxnSp>
+      <p:cxnSp>
+        <p:nvCxnSpPr>
+          <p:cNvPr id="14" name="Conector de seta reta 13"/>
+          <p:cNvCxnSpPr/>
+          <p:nvPr/>
+        </p:nvCxnSpPr>
+        <p:spPr>
+          <a:xfrm flipV="1">
+            <a:off x="1691680" y="4365104"/>
+            <a:ext cx="4680520" cy="288032"/>
+          </a:xfrm>
+          <a:prstGeom prst="straightConnector1">
+            <a:avLst/>
+          </a:prstGeom>
+          <a:ln w="15875">
+            <a:solidFill>
+              <a:schemeClr val="tx1"/>
+            </a:solidFill>
+            <a:tailEnd type="arrow"/>
+          </a:ln>
+        </p:spPr>
+        <p:style>
+          <a:lnRef idx="1">
+            <a:schemeClr val="accent1"/>
+          </a:lnRef>
+          <a:fillRef idx="0">
+            <a:schemeClr val="accent1"/>
+          </a:fillRef>
+          <a:effectRef idx="0">
+            <a:schemeClr val="accent1"/>
+          </a:effectRef>
+          <a:fontRef idx="minor">
+            <a:schemeClr val="tx1"/>
+          </a:fontRef>
+        </p:style>
+      </p:cxnSp>
+      <p:sp>
+        <p:nvSpPr>
+          <p:cNvPr id="17" name="CaixaDeTexto 16"/>
+          <p:cNvSpPr txBox="1"/>
+          <p:nvPr/>
+        </p:nvSpPr>
+        <p:spPr>
+          <a:xfrm>
+            <a:off x="6090094" y="6453336"/>
+            <a:ext cx="2520280" cy="369332"/>
+          </a:xfrm>
+          <a:prstGeom prst="rect">
+            <a:avLst/>
+          </a:prstGeom>
+          <a:noFill/>
+          <a:ln>
+            <a:solidFill>
+              <a:srgbClr val="C00000"/>
+            </a:solidFill>
+          </a:ln>
+        </p:spPr>
+        <p:txBody>
+          <a:bodyPr wrap="square" rtlCol="0">
+            <a:spAutoFit/>
+          </a:bodyPr>
+          <a:lstStyle/>
+          <a:p>
+            <a:pPr algn="ctr"/>
+            <a:r>
+              <a:rPr lang="pt-BR" b="1" dirty="0" smtClean="0">
+                <a:solidFill>
+                  <a:srgbClr val="FF0000"/>
+                </a:solidFill>
+              </a:rPr>
+              <a:t>classes </a:t>
+            </a:r>
+            <a:r>
+              <a:rPr lang="pt-BR" b="1" dirty="0" err="1" smtClean="0">
+                <a:solidFill>
+                  <a:srgbClr val="FF0000"/>
+                </a:solidFill>
+              </a:rPr>
+              <a:t>to</a:t>
+            </a:r>
+            <a:r>
+              <a:rPr lang="pt-BR" b="1" dirty="0" smtClean="0">
+                <a:solidFill>
+                  <a:srgbClr val="FF0000"/>
+                </a:solidFill>
+              </a:rPr>
+              <a:t> </a:t>
+            </a:r>
+            <a:r>
+              <a:rPr lang="pt-BR" b="1" dirty="0" err="1" smtClean="0">
+                <a:solidFill>
+                  <a:srgbClr val="FF0000"/>
+                </a:solidFill>
+              </a:rPr>
+              <a:t>be</a:t>
+            </a:r>
+            <a:r>
+              <a:rPr lang="pt-BR" b="1" dirty="0" smtClean="0">
+                <a:solidFill>
+                  <a:srgbClr val="FF0000"/>
+                </a:solidFill>
+              </a:rPr>
+              <a:t> </a:t>
+            </a:r>
+            <a:r>
+              <a:rPr lang="pt-BR" b="1" dirty="0" err="1" smtClean="0">
+                <a:solidFill>
+                  <a:srgbClr val="FF0000"/>
+                </a:solidFill>
+              </a:rPr>
+              <a:t>created</a:t>
+            </a:r>
+            <a:endParaRPr lang="pt-BR" b="1" dirty="0">
+              <a:solidFill>
+                <a:srgbClr val="FF0000"/>
+              </a:solidFill>
+            </a:endParaRPr>
+          </a:p>
+        </p:txBody>
+      </p:sp>
+      <p:cxnSp>
+        <p:nvCxnSpPr>
+          <p:cNvPr id="18" name="Conector de seta reta 17"/>
+          <p:cNvCxnSpPr/>
+          <p:nvPr/>
+        </p:nvCxnSpPr>
+        <p:spPr>
+          <a:xfrm>
+            <a:off x="1691680" y="5057564"/>
+            <a:ext cx="4392488" cy="1580438"/>
+          </a:xfrm>
+          <a:prstGeom prst="straightConnector1">
+            <a:avLst/>
+          </a:prstGeom>
+          <a:ln w="15875">
+            <a:solidFill>
+              <a:srgbClr val="C00000"/>
+            </a:solidFill>
+            <a:tailEnd type="arrow"/>
+          </a:ln>
+        </p:spPr>
+        <p:style>
+          <a:lnRef idx="1">
+            <a:schemeClr val="accent1"/>
+          </a:lnRef>
+          <a:fillRef idx="0">
+            <a:schemeClr val="accent1"/>
+          </a:fillRef>
+          <a:effectRef idx="0">
+            <a:schemeClr val="accent1"/>
+          </a:effectRef>
+          <a:fontRef idx="minor">
+            <a:schemeClr val="tx1"/>
+          </a:fontRef>
+        </p:style>
+      </p:cxnSp>
+      <p:cxnSp>
+        <p:nvCxnSpPr>
+          <p:cNvPr id="21" name="Conector de seta reta 20"/>
+          <p:cNvCxnSpPr/>
+          <p:nvPr/>
+        </p:nvCxnSpPr>
+        <p:spPr>
+          <a:xfrm flipV="1">
+            <a:off x="1691680" y="4365104"/>
+            <a:ext cx="4680520" cy="1080120"/>
+          </a:xfrm>
+          <a:prstGeom prst="straightConnector1">
+            <a:avLst/>
+          </a:prstGeom>
+          <a:ln w="15875">
+            <a:solidFill>
+              <a:schemeClr val="tx1"/>
+            </a:solidFill>
+            <a:tailEnd type="arrow"/>
+          </a:ln>
+        </p:spPr>
+        <p:style>
+          <a:lnRef idx="1">
+            <a:schemeClr val="accent1"/>
+          </a:lnRef>
+          <a:fillRef idx="0">
+            <a:schemeClr val="accent1"/>
+          </a:fillRef>
+          <a:effectRef idx="0">
+            <a:schemeClr val="accent1"/>
+          </a:effectRef>
+          <a:fontRef idx="minor">
+            <a:schemeClr val="tx1"/>
+          </a:fontRef>
+        </p:style>
+      </p:cxnSp>
+      <p:cxnSp>
+        <p:nvCxnSpPr>
+          <p:cNvPr id="24" name="Conector de seta reta 23"/>
+          <p:cNvCxnSpPr/>
+          <p:nvPr/>
+        </p:nvCxnSpPr>
+        <p:spPr>
+          <a:xfrm flipV="1">
+            <a:off x="1691680" y="4365104"/>
+            <a:ext cx="4680520" cy="1482680"/>
+          </a:xfrm>
+          <a:prstGeom prst="straightConnector1">
+            <a:avLst/>
+          </a:prstGeom>
+          <a:ln w="15875">
+            <a:solidFill>
+              <a:schemeClr val="tx1"/>
+            </a:solidFill>
+            <a:tailEnd type="arrow"/>
+          </a:ln>
+        </p:spPr>
+        <p:style>
+          <a:lnRef idx="1">
+            <a:schemeClr val="accent1"/>
+          </a:lnRef>
+          <a:fillRef idx="0">
+            <a:schemeClr val="accent1"/>
+          </a:fillRef>
+          <a:effectRef idx="0">
+            <a:schemeClr val="accent1"/>
+          </a:effectRef>
+          <a:fontRef idx="minor">
+            <a:schemeClr val="tx1"/>
+          </a:fontRef>
+        </p:style>
+      </p:cxnSp>
+      <p:cxnSp>
+        <p:nvCxnSpPr>
+          <p:cNvPr id="16" name="Conector de seta reta 15"/>
+          <p:cNvCxnSpPr/>
+          <p:nvPr/>
+        </p:nvCxnSpPr>
+        <p:spPr>
+          <a:xfrm>
+            <a:off x="2411760" y="3068960"/>
+            <a:ext cx="3960440" cy="1656184"/>
+          </a:xfrm>
+          <a:prstGeom prst="straightConnector1">
+            <a:avLst/>
+          </a:prstGeom>
+          <a:ln w="15875">
+            <a:solidFill>
+              <a:schemeClr val="tx1"/>
+            </a:solidFill>
+            <a:tailEnd type="arrow"/>
+          </a:ln>
+        </p:spPr>
+        <p:style>
+          <a:lnRef idx="1">
+            <a:schemeClr val="accent1"/>
+          </a:lnRef>
+          <a:fillRef idx="0">
+            <a:schemeClr val="accent1"/>
+          </a:fillRef>
+          <a:effectRef idx="0">
+            <a:schemeClr val="accent1"/>
+          </a:effectRef>
+          <a:fontRef idx="minor">
+            <a:schemeClr val="tx1"/>
+          </a:fontRef>
+        </p:style>
+      </p:cxnSp>
+      <p:cxnSp>
+        <p:nvCxnSpPr>
+          <p:cNvPr id="25" name="Conector de seta reta 24"/>
+          <p:cNvCxnSpPr/>
+          <p:nvPr/>
+        </p:nvCxnSpPr>
+        <p:spPr>
+          <a:xfrm flipV="1">
+            <a:off x="3707904" y="4149080"/>
+            <a:ext cx="2664296" cy="2160240"/>
+          </a:xfrm>
+          <a:prstGeom prst="straightConnector1">
+            <a:avLst/>
+          </a:prstGeom>
+          <a:ln w="15875">
+            <a:solidFill>
+              <a:schemeClr val="tx1"/>
+            </a:solidFill>
+            <a:tailEnd type="arrow"/>
+          </a:ln>
+        </p:spPr>
+        <p:style>
+          <a:lnRef idx="1">
+            <a:schemeClr val="accent1"/>
+          </a:lnRef>
+          <a:fillRef idx="0">
+            <a:schemeClr val="accent1"/>
+          </a:fillRef>
+          <a:effectRef idx="0">
+            <a:schemeClr val="accent1"/>
+          </a:effectRef>
+          <a:fontRef idx="minor">
+            <a:schemeClr val="tx1"/>
+          </a:fontRef>
+        </p:style>
+      </p:cxnSp>
+    </p:spTree>
+    <p:extLst>
+      <p:ext uri="{BB962C8B-B14F-4D97-AF65-F5344CB8AC3E}">
+        <p14:creationId xmlns:p14="http://schemas.microsoft.com/office/powerpoint/2010/main" val="2128064489"/>
+      </p:ext>
+    </p:extLst>
+  </p:cSld>
+  <p:clrMapOvr>
+    <a:masterClrMapping/>
+  </p:clrMapOvr>
+  <p:timing>
+    <p:tnLst>
+      <p:par>
+        <p:cTn id="1" dur="indefinite" restart="never" nodeType="tmRoot">
+          <p:childTnLst>
+            <p:seq concurrent="1" nextAc="seek">
+              <p:cTn id="2" dur="indefinite" nodeType="mainSeq">
+                <p:childTnLst>
+                  <p:par>
+                    <p:cTn id="3" fill="hold">
+                      <p:stCondLst>
+                        <p:cond delay="indefinite"/>
+                      </p:stCondLst>
+                      <p:childTnLst>
+                        <p:par>
+                          <p:cTn id="4" fill="hold">
+                            <p:stCondLst>
+                              <p:cond delay="0"/>
+                            </p:stCondLst>
+                            <p:childTnLst>
+                              <p:par>
+                                <p:cTn id="5" presetID="1" presetClass="entr" presetSubtype="0" fill="hold" nodeType="clickEffect">
+                                  <p:stCondLst>
+                                    <p:cond delay="0"/>
+                                  </p:stCondLst>
+                                  <p:childTnLst>
+                                    <p:set>
+                                      <p:cBhvr>
+                                        <p:cTn id="6" dur="1" fill="hold">
+                                          <p:stCondLst>
+                                            <p:cond delay="0"/>
+                                          </p:stCondLst>
+                                        </p:cTn>
+                                        <p:tgtEl>
+                                          <p:spTgt spid="7"/>
+                                        </p:tgtEl>
+                                        <p:attrNameLst>
+                                          <p:attrName>style.visibility</p:attrName>
+                                        </p:attrNameLst>
+                                      </p:cBhvr>
+                                      <p:to>
+                                        <p:strVal val="visible"/>
+                                      </p:to>
+                                    </p:set>
+                                  </p:childTnLst>
+                                </p:cTn>
+                              </p:par>
+                            </p:childTnLst>
+                          </p:cTn>
+                        </p:par>
+                      </p:childTnLst>
+                    </p:cTn>
+                  </p:par>
+                  <p:par>
+                    <p:cTn id="7" fill="hold">
+                      <p:stCondLst>
+                        <p:cond delay="indefinite"/>
+                      </p:stCondLst>
+                      <p:childTnLst>
+                        <p:par>
+                          <p:cTn id="8" fill="hold">
+                            <p:stCondLst>
+                              <p:cond delay="0"/>
+                            </p:stCondLst>
+                            <p:childTnLst>
+                              <p:par>
+                                <p:cTn id="9" presetID="1" presetClass="entr" presetSubtype="0" fill="hold" nodeType="clickEffect">
+                                  <p:stCondLst>
+                                    <p:cond delay="0"/>
+                                  </p:stCondLst>
+                                  <p:childTnLst>
+                                    <p:set>
+                                      <p:cBhvr>
+                                        <p:cTn id="10" dur="1" fill="hold">
+                                          <p:stCondLst>
+                                            <p:cond delay="0"/>
+                                          </p:stCondLst>
+                                        </p:cTn>
+                                        <p:tgtEl>
+                                          <p:spTgt spid="8"/>
+                                        </p:tgtEl>
+                                        <p:attrNameLst>
+                                          <p:attrName>style.visibility</p:attrName>
+                                        </p:attrNameLst>
+                                      </p:cBhvr>
+                                      <p:to>
+                                        <p:strVal val="visible"/>
+                                      </p:to>
+                                    </p:set>
+                                  </p:childTnLst>
+                                </p:cTn>
+                              </p:par>
+                            </p:childTnLst>
+                          </p:cTn>
+                        </p:par>
+                      </p:childTnLst>
+                    </p:cTn>
+                  </p:par>
+                  <p:par>
+                    <p:cTn id="11" fill="hold">
+                      <p:stCondLst>
+                        <p:cond delay="indefinite"/>
+                      </p:stCondLst>
+                      <p:childTnLst>
+                        <p:par>
+                          <p:cTn id="12" fill="hold">
+                            <p:stCondLst>
+                              <p:cond delay="0"/>
+                            </p:stCondLst>
+                            <p:childTnLst>
+                              <p:par>
+                                <p:cTn id="13" presetID="1" presetClass="entr" presetSubtype="0" fill="hold" nodeType="clickEffect">
+                                  <p:stCondLst>
+                                    <p:cond delay="0"/>
+                                  </p:stCondLst>
+                                  <p:childTnLst>
+                                    <p:set>
+                                      <p:cBhvr>
+                                        <p:cTn id="14" dur="1" fill="hold">
+                                          <p:stCondLst>
+                                            <p:cond delay="0"/>
+                                          </p:stCondLst>
+                                        </p:cTn>
+                                        <p:tgtEl>
+                                          <p:spTgt spid="16"/>
+                                        </p:tgtEl>
+                                        <p:attrNameLst>
+                                          <p:attrName>style.visibility</p:attrName>
+                                        </p:attrNameLst>
+                                      </p:cBhvr>
+                                      <p:to>
+                                        <p:strVal val="visible"/>
+                                      </p:to>
+                                    </p:set>
+                                  </p:childTnLst>
+                                </p:cTn>
+                              </p:par>
+                            </p:childTnLst>
+                          </p:cTn>
+                        </p:par>
+                      </p:childTnLst>
+                    </p:cTn>
+                  </p:par>
+                  <p:par>
+                    <p:cTn id="15" fill="hold">
+                      <p:stCondLst>
+                        <p:cond delay="indefinite"/>
+                      </p:stCondLst>
+                      <p:childTnLst>
+                        <p:par>
+                          <p:cTn id="16" fill="hold">
+                            <p:stCondLst>
+                              <p:cond delay="0"/>
+                            </p:stCondLst>
+                            <p:childTnLst>
+                              <p:par>
+                                <p:cTn id="17" presetID="1" presetClass="entr" presetSubtype="0" fill="hold" nodeType="clickEffect">
+                                  <p:stCondLst>
+                                    <p:cond delay="0"/>
+                                  </p:stCondLst>
+                                  <p:childTnLst>
+                                    <p:set>
+                                      <p:cBhvr>
+                                        <p:cTn id="18" dur="1" fill="hold">
+                                          <p:stCondLst>
+                                            <p:cond delay="0"/>
+                                          </p:stCondLst>
+                                        </p:cTn>
+                                        <p:tgtEl>
+                                          <p:spTgt spid="11"/>
+                                        </p:tgtEl>
+                                        <p:attrNameLst>
+                                          <p:attrName>style.visibility</p:attrName>
+                                        </p:attrNameLst>
+                                      </p:cBhvr>
+                                      <p:to>
+                                        <p:strVal val="visible"/>
+                                      </p:to>
+                                    </p:set>
+                                  </p:childTnLst>
+                                </p:cTn>
+                              </p:par>
+                            </p:childTnLst>
+                          </p:cTn>
+                        </p:par>
+                      </p:childTnLst>
+                    </p:cTn>
+                  </p:par>
+                  <p:par>
+                    <p:cTn id="19" fill="hold">
+                      <p:stCondLst>
+                        <p:cond delay="indefinite"/>
+                      </p:stCondLst>
+                      <p:childTnLst>
+                        <p:par>
+                          <p:cTn id="20" fill="hold">
+                            <p:stCondLst>
+                              <p:cond delay="0"/>
+                            </p:stCondLst>
+                            <p:childTnLst>
+                              <p:par>
+                                <p:cTn id="21" presetID="1" presetClass="entr" presetSubtype="0" fill="hold" nodeType="clickEffect">
+                                  <p:stCondLst>
+                                    <p:cond delay="0"/>
+                                  </p:stCondLst>
+                                  <p:childTnLst>
+                                    <p:set>
+                                      <p:cBhvr>
+                                        <p:cTn id="22" dur="1" fill="hold">
+                                          <p:stCondLst>
+                                            <p:cond delay="0"/>
+                                          </p:stCondLst>
+                                        </p:cTn>
+                                        <p:tgtEl>
+                                          <p:spTgt spid="14"/>
+                                        </p:tgtEl>
+                                        <p:attrNameLst>
+                                          <p:attrName>style.visibility</p:attrName>
+                                        </p:attrNameLst>
+                                      </p:cBhvr>
+                                      <p:to>
+                                        <p:strVal val="visible"/>
+                                      </p:to>
+                                    </p:set>
+                                  </p:childTnLst>
+                                </p:cTn>
+                              </p:par>
+                            </p:childTnLst>
+                          </p:cTn>
+                        </p:par>
+                      </p:childTnLst>
+                    </p:cTn>
+                  </p:par>
+                  <p:par>
+                    <p:cTn id="23" fill="hold">
+                      <p:stCondLst>
+                        <p:cond delay="indefinite"/>
+                      </p:stCondLst>
+                      <p:childTnLst>
+                        <p:par>
+                          <p:cTn id="24" fill="hold">
+                            <p:stCondLst>
+                              <p:cond delay="0"/>
+                            </p:stCondLst>
+                            <p:childTnLst>
+                              <p:par>
+                                <p:cTn id="25" presetID="1" presetClass="entr" presetSubtype="0" fill="hold" nodeType="clickEffect">
+                                  <p:stCondLst>
+                                    <p:cond delay="0"/>
+                                  </p:stCondLst>
+                                  <p:childTnLst>
+                                    <p:set>
+                                      <p:cBhvr>
+                                        <p:cTn id="26" dur="1" fill="hold">
+                                          <p:stCondLst>
+                                            <p:cond delay="0"/>
+                                          </p:stCondLst>
+                                        </p:cTn>
+                                        <p:tgtEl>
+                                          <p:spTgt spid="18"/>
+                                        </p:tgtEl>
+                                        <p:attrNameLst>
+                                          <p:attrName>style.visibility</p:attrName>
+                                        </p:attrNameLst>
+                                      </p:cBhvr>
+                                      <p:to>
+                                        <p:strVal val="visible"/>
+                                      </p:to>
+                                    </p:set>
+                                  </p:childTnLst>
+                                </p:cTn>
+                              </p:par>
+                              <p:par>
+                                <p:cTn id="27" presetID="1" presetClass="entr" presetSubtype="0" fill="hold" grpId="0" nodeType="withEffect">
+                                  <p:stCondLst>
+                                    <p:cond delay="0"/>
+                                  </p:stCondLst>
+                                  <p:childTnLst>
+                                    <p:set>
+                                      <p:cBhvr>
+                                        <p:cTn id="28" dur="1" fill="hold">
+                                          <p:stCondLst>
+                                            <p:cond delay="0"/>
+                                          </p:stCondLst>
+                                        </p:cTn>
+                                        <p:tgtEl>
+                                          <p:spTgt spid="17"/>
+                                        </p:tgtEl>
+                                        <p:attrNameLst>
+                                          <p:attrName>style.visibility</p:attrName>
+                                        </p:attrNameLst>
+                                      </p:cBhvr>
+                                      <p:to>
+                                        <p:strVal val="visible"/>
+                                      </p:to>
+                                    </p:set>
+                                  </p:childTnLst>
+                                </p:cTn>
+                              </p:par>
+                            </p:childTnLst>
+                          </p:cTn>
+                        </p:par>
+                      </p:childTnLst>
+                    </p:cTn>
+                  </p:par>
+                  <p:par>
+                    <p:cTn id="29" fill="hold">
+                      <p:stCondLst>
+                        <p:cond delay="indefinite"/>
+                      </p:stCondLst>
+                      <p:childTnLst>
+                        <p:par>
+                          <p:cTn id="30" fill="hold">
+                            <p:stCondLst>
+                              <p:cond delay="0"/>
+                            </p:stCondLst>
+                            <p:childTnLst>
+                              <p:par>
+                                <p:cTn id="31" presetID="1" presetClass="entr" presetSubtype="0" fill="hold" nodeType="clickEffect">
+                                  <p:stCondLst>
+                                    <p:cond delay="0"/>
+                                  </p:stCondLst>
+                                  <p:childTnLst>
+                                    <p:set>
+                                      <p:cBhvr>
+                                        <p:cTn id="32" dur="1" fill="hold">
+                                          <p:stCondLst>
+                                            <p:cond delay="0"/>
+                                          </p:stCondLst>
+                                        </p:cTn>
+                                        <p:tgtEl>
+                                          <p:spTgt spid="21"/>
+                                        </p:tgtEl>
+                                        <p:attrNameLst>
+                                          <p:attrName>style.visibility</p:attrName>
+                                        </p:attrNameLst>
+                                      </p:cBhvr>
+                                      <p:to>
+                                        <p:strVal val="visible"/>
+                                      </p:to>
+                                    </p:set>
+                                  </p:childTnLst>
+                                </p:cTn>
+                              </p:par>
+                            </p:childTnLst>
+                          </p:cTn>
+                        </p:par>
+                      </p:childTnLst>
+                    </p:cTn>
+                  </p:par>
+                  <p:par>
+                    <p:cTn id="33" fill="hold">
+                      <p:stCondLst>
+                        <p:cond delay="indefinite"/>
+                      </p:stCondLst>
+                      <p:childTnLst>
+                        <p:par>
+                          <p:cTn id="34" fill="hold">
+                            <p:stCondLst>
+                              <p:cond delay="0"/>
+                            </p:stCondLst>
+                            <p:childTnLst>
+                              <p:par>
+                                <p:cTn id="35" presetID="1" presetClass="entr" presetSubtype="0" fill="hold" nodeType="clickEffect">
+                                  <p:stCondLst>
+                                    <p:cond delay="0"/>
+                                  </p:stCondLst>
+                                  <p:childTnLst>
+                                    <p:set>
+                                      <p:cBhvr>
+                                        <p:cTn id="36" dur="1" fill="hold">
+                                          <p:stCondLst>
+                                            <p:cond delay="0"/>
+                                          </p:stCondLst>
+                                        </p:cTn>
+                                        <p:tgtEl>
+                                          <p:spTgt spid="24"/>
+                                        </p:tgtEl>
+                                        <p:attrNameLst>
+                                          <p:attrName>style.visibility</p:attrName>
+                                        </p:attrNameLst>
+                                      </p:cBhvr>
+                                      <p:to>
+                                        <p:strVal val="visible"/>
+                                      </p:to>
+                                    </p:set>
+                                  </p:childTnLst>
+                                </p:cTn>
+                              </p:par>
+                            </p:childTnLst>
+                          </p:cTn>
+                        </p:par>
+                      </p:childTnLst>
+                    </p:cTn>
+                  </p:par>
+                  <p:par>
+                    <p:cTn id="37" fill="hold">
+                      <p:stCondLst>
+                        <p:cond delay="indefinite"/>
+                      </p:stCondLst>
+                      <p:childTnLst>
+                        <p:par>
+                          <p:cTn id="38" fill="hold">
+                            <p:stCondLst>
+                              <p:cond delay="0"/>
+                            </p:stCondLst>
+                            <p:childTnLst>
+                              <p:par>
+                                <p:cTn id="39" presetID="1" presetClass="entr" presetSubtype="0" fill="hold" nodeType="clickEffect">
+                                  <p:stCondLst>
+                                    <p:cond delay="0"/>
+                                  </p:stCondLst>
+                                  <p:childTnLst>
+                                    <p:set>
+                                      <p:cBhvr>
+                                        <p:cTn id="40" dur="1" fill="hold">
+                                          <p:stCondLst>
+                                            <p:cond delay="0"/>
+                                          </p:stCondLst>
+                                        </p:cTn>
+                                        <p:tgtEl>
+                                          <p:spTgt spid="25"/>
+                                        </p:tgtEl>
+                                        <p:attrNameLst>
+                                          <p:attrName>style.visibility</p:attrName>
+                                        </p:attrNameLst>
+                                      </p:cBhvr>
+                                      <p:to>
+                                        <p:strVal val="visible"/>
+                                      </p:to>
+                                    </p:set>
+                                  </p:childTnLst>
+                                </p:cTn>
+                              </p:par>
+                            </p:childTnLst>
+                          </p:cTn>
+                        </p:par>
+                      </p:childTnLst>
+                    </p:cTn>
+                  </p:par>
+                </p:childTnLst>
+              </p:cTn>
+              <p:prevCondLst>
+                <p:cond evt="onPrev" delay="0">
+                  <p:tgtEl>
+                    <p:sldTgt/>
+                  </p:tgtEl>
+                </p:cond>
+              </p:prevCondLst>
+              <p:nextCondLst>
+                <p:cond evt="onNext" delay="0">
+                  <p:tgtEl>
+                    <p:sldTgt/>
+                  </p:tgtEl>
+                </p:cond>
+              </p:nextCondLst>
+            </p:seq>
+          </p:childTnLst>
+        </p:cTn>
+      </p:par>
+    </p:tnLst>
+    <p:bldLst>
+      <p:bldP spid="17" grpId="0" animBg="1"/>
+    </p:bldLst>
+  </p:timing>
+</p:sld>
+</file>
+
+<file path=ppt/slides/slide8.xml><?xml version="1.0" encoding="utf-8"?>
+<p:sld xmlns:a="http://schemas.openxmlformats.org/drawingml/2006/main" xmlns:r="http://schemas.openxmlformats.org/officeDocument/2006/relationships" xmlns:p="http://schemas.openxmlformats.org/presentationml/2006/main">
+  <p:cSld>
+    <p:spTree>
+      <p:nvGrpSpPr>
+        <p:cNvPr id="1" name=""/>
+        <p:cNvGrpSpPr/>
+        <p:nvPr/>
+      </p:nvGrpSpPr>
+      <p:grpSpPr>
+        <a:xfrm>
+          <a:off x="0" y="0"/>
+          <a:ext cx="0" cy="0"/>
+          <a:chOff x="0" y="0"/>
+          <a:chExt cx="0" cy="0"/>
+        </a:xfrm>
+      </p:grpSpPr>
+      <p:sp>
+        <p:nvSpPr>
+          <p:cNvPr id="2" name="Título 1"/>
+          <p:cNvSpPr>
+            <a:spLocks noGrp="1"/>
+          </p:cNvSpPr>
+          <p:nvPr>
+            <p:ph type="title"/>
+          </p:nvPr>
+        </p:nvSpPr>
+        <p:spPr/>
+        <p:txBody>
+          <a:bodyPr/>
+          <a:lstStyle/>
+          <a:p>
+            <a:r>
+              <a:rPr lang="pt-BR" dirty="0" err="1"/>
+              <a:t>Testing</a:t>
+            </a:r>
+            <a:r>
+              <a:rPr lang="pt-BR" dirty="0"/>
+              <a:t> a </a:t>
+            </a:r>
+            <a:r>
+              <a:rPr lang="pt-BR" dirty="0" err="1"/>
+              <a:t>simulation</a:t>
+            </a:r>
+            <a:r>
+              <a:rPr lang="pt-BR" dirty="0"/>
+              <a:t> snapshot</a:t>
+            </a:r>
+          </a:p>
+        </p:txBody>
+      </p:sp>
+      <p:sp>
+        <p:nvSpPr>
+          <p:cNvPr id="3" name="Espaço Reservado para Conteúdo 2"/>
+          <p:cNvSpPr>
+            <a:spLocks noGrp="1"/>
+          </p:cNvSpPr>
+          <p:nvPr>
+            <p:ph idx="1"/>
+          </p:nvPr>
+        </p:nvSpPr>
+        <p:spPr/>
+        <p:txBody>
+          <a:bodyPr/>
+          <a:lstStyle/>
+          <a:p>
+            <a:r>
+              <a:rPr lang="pt-BR" dirty="0" smtClean="0"/>
+              <a:t>Unit </a:t>
+            </a:r>
+            <a:r>
+              <a:rPr lang="pt-BR" dirty="0" err="1" smtClean="0"/>
+              <a:t>tests</a:t>
+            </a:r>
+            <a:r>
+              <a:rPr lang="pt-BR" dirty="0" smtClean="0"/>
+              <a:t> </a:t>
+            </a:r>
+            <a:r>
+              <a:rPr lang="pt-BR" dirty="0" err="1" smtClean="0"/>
+              <a:t>of</a:t>
+            </a:r>
+            <a:r>
+              <a:rPr lang="pt-BR" dirty="0" smtClean="0"/>
+              <a:t> </a:t>
+            </a:r>
+            <a:r>
+              <a:rPr lang="pt-BR" dirty="0" err="1" smtClean="0"/>
+              <a:t>SimulationDownlink</a:t>
+            </a:r>
+            <a:r>
+              <a:rPr lang="pt-BR" dirty="0" smtClean="0"/>
+              <a:t> </a:t>
+            </a:r>
+            <a:r>
+              <a:rPr lang="pt-BR" dirty="0" err="1" smtClean="0"/>
+              <a:t>class</a:t>
+            </a:r>
+            <a:r>
+              <a:rPr lang="pt-BR" dirty="0" smtClean="0"/>
+              <a:t> </a:t>
+            </a:r>
+            <a:r>
+              <a:rPr lang="pt-BR" dirty="0" err="1" smtClean="0"/>
+              <a:t>create</a:t>
+            </a:r>
+            <a:r>
+              <a:rPr lang="pt-BR" dirty="0" smtClean="0"/>
+              <a:t> </a:t>
+            </a:r>
+            <a:r>
+              <a:rPr lang="pt-BR" dirty="0" err="1" smtClean="0"/>
+              <a:t>simulation</a:t>
+            </a:r>
+            <a:r>
+              <a:rPr lang="pt-BR" dirty="0" smtClean="0"/>
+              <a:t> snapshots</a:t>
+            </a:r>
+            <a:endParaRPr lang="pt-BR" dirty="0"/>
+          </a:p>
+        </p:txBody>
+      </p:sp>
+      <p:pic>
+        <p:nvPicPr>
+          <p:cNvPr id="4" name="Picture 2"/>
+          <p:cNvPicPr>
+            <a:picLocks noChangeAspect="1" noChangeArrowheads="1"/>
+          </p:cNvPicPr>
+          <p:nvPr/>
+        </p:nvPicPr>
+        <p:blipFill rotWithShape="1">
+          <a:blip r:embed="rId2">
+            <a:extLst>
+              <a:ext uri="{28A0092B-C50C-407E-A947-70E740481C1C}">
+                <a14:useLocalDpi xmlns:a14="http://schemas.microsoft.com/office/drawing/2010/main" val="0"/>
+              </a:ext>
+            </a:extLst>
+          </a:blip>
+          <a:srcRect l="1499"/>
+          <a:stretch/>
+        </p:blipFill>
+        <p:spPr bwMode="auto">
+          <a:xfrm>
+            <a:off x="1835696" y="2645055"/>
+            <a:ext cx="5084705" cy="3603168"/>
+          </a:xfrm>
+          <a:prstGeom prst="rect">
+            <a:avLst/>
+          </a:prstGeom>
+          <a:noFill/>
+          <a:ln>
+            <a:noFill/>
+          </a:ln>
+          <a:effectLst/>
+          <a:extLst>
+            <a:ext uri="{909E8E84-426E-40DD-AFC4-6F175D3DCCD1}">
+              <a14:hiddenFill xmlns:a14="http://schemas.microsoft.com/office/drawing/2010/main">
+                <a:solidFill>
+                  <a:schemeClr val="accent1"/>
+                </a:solidFill>
+              </a14:hiddenFill>
+            </a:ext>
+            <a:ext uri="{91240B29-F687-4F45-9708-019B960494DF}">
+              <a14:hiddenLine xmlns:a14="http://schemas.microsoft.com/office/drawing/2010/main" w="9525">
+                <a:solidFill>
+                  <a:schemeClr val="tx1"/>
+                </a:solidFill>
+                <a:miter lim="800000"/>
+                <a:headEnd/>
+                <a:tailEnd/>
+              </a14:hiddenLine>
+            </a:ext>
+            <a:ext uri="{AF507438-7753-43E0-B8FC-AC1667EBCBE1}">
+              <a14:hiddenEffects xmlns:a14="http://schemas.microsoft.com/office/drawing/2010/main">
+                <a:effectLst>
+                  <a:outerShdw dist="35921" dir="2700000" algn="ctr" rotWithShape="0">
+                    <a:schemeClr val="bg2"/>
+                  </a:outerShdw>
+                </a:effectLst>
+              </a14:hiddenEffects>
+            </a:ext>
+          </a:extLst>
+        </p:spPr>
+      </p:pic>
+    </p:spTree>
+    <p:extLst>
+      <p:ext uri="{BB962C8B-B14F-4D97-AF65-F5344CB8AC3E}">
+        <p14:creationId xmlns:p14="http://schemas.microsoft.com/office/powerpoint/2010/main" val="2395211735"/>
+      </p:ext>
+    </p:extLst>
+  </p:cSld>
+  <p:clrMapOvr>
+    <a:masterClrMapping/>
+  </p:clrMapOvr>
+  <p:timing>
+    <p:tnLst>
+      <p:par>
+        <p:cTn id="1" dur="indefinite" restart="never" nodeType="tmRoot"/>
+      </p:par>
+    </p:tnLst>
+  </p:timing>
 </p:sld>
 </file>
 
